--- a/lectures/cshl/2014/RNASeq_Module3_Lecture.pptx
+++ b/lectures/cshl/2014/RNASeq_Module3_Lecture.pptx
@@ -11850,7 +11850,7 @@
         <p:spPr/>
         <p:txBody>
           <a:bodyPr>
-            <a:normAutofit lnSpcReduction="10000"/>
+            <a:normAutofit fontScale="92500" lnSpcReduction="10000"/>
           </a:bodyPr>
           <a:lstStyle/>
           <a:p>
@@ -11858,8 +11858,30 @@
               <a:defRPr/>
             </a:pPr>
             <a:r>
+              <a:rPr lang="en-US"/>
+              <a:t>Module 0: Introduction to </a:t>
+            </a:r>
+            <a:r>
+              <a:rPr lang="en-US"/>
+              <a:t>cloud </a:t>
+            </a:r>
+            <a:r>
+              <a:rPr lang="en-US" smtClean="0"/>
+              <a:t>computing</a:t>
+            </a:r>
+            <a:endParaRPr lang="en-US" smtClean="0"/>
+          </a:p>
+          <a:p>
+            <a:pPr>
+              <a:defRPr/>
+            </a:pPr>
+            <a:r>
+              <a:rPr lang="en-US" dirty="0" smtClean="0"/>
+              <a:t>Module </a:t>
+            </a:r>
+            <a:r>
               <a:rPr lang="en-US" dirty="0"/>
-              <a:t>Module 1: Introduction to RNA sequencing</a:t>
+              <a:t>1: Introduction to RNA sequencing</a:t>
             </a:r>
           </a:p>
           <a:p>

--- a/lectures/cshl/2014/RNASeq_Module3_Lecture.pptx
+++ b/lectures/cshl/2014/RNASeq_Module3_Lecture.pptx
@@ -272,7 +272,7 @@
               <a:pPr>
                 <a:defRPr/>
               </a:pPr>
-              <a:t>11/16/14</a:t>
+              <a:t>11/18/14</a:t>
             </a:fld>
             <a:endParaRPr lang="en-US"/>
           </a:p>
@@ -479,7 +479,7 @@
               <a:pPr>
                 <a:defRPr/>
               </a:pPr>
-              <a:t>11/16/14</a:t>
+              <a:t>11/18/14</a:t>
             </a:fld>
             <a:endParaRPr lang="en-US"/>
           </a:p>
@@ -3382,7 +3382,7 @@
               <a:pPr>
                 <a:defRPr/>
               </a:pPr>
-              <a:t>11/16/14</a:t>
+              <a:t>11/18/14</a:t>
             </a:fld>
             <a:endParaRPr lang="en-US"/>
           </a:p>
@@ -6364,7 +6364,7 @@
               <a:rPr lang="en-US" dirty="0">
                 <a:hlinkClick r:id="rId2"/>
               </a:rPr>
-              <a:t>http://picard.sourceforge.net/explain-</a:t>
+              <a:t>http://broadinstitute.github.io/picard/explain-</a:t>
             </a:r>
             <a:r>
               <a:rPr lang="en-US" dirty="0" smtClean="0">
@@ -6380,7 +6380,11 @@
             </a:pPr>
             <a:r>
               <a:rPr lang="en-US" dirty="0" smtClean="0"/>
-              <a:t>11 bitwise flags describing the alignment</a:t>
+              <a:t>11 </a:t>
+            </a:r>
+            <a:r>
+              <a:rPr lang="en-US" dirty="0" smtClean="0"/>
+              <a:t>bitwise flags describing the alignment</a:t>
             </a:r>
           </a:p>
           <a:p>
@@ -7432,27 +7436,7 @@
                 <a:latin typeface="Calibri" charset="0"/>
                 <a:cs typeface="Segoe UI" charset="0"/>
               </a:rPr>
-              <a:t>Module </a:t>
-            </a:r>
-            <a:r>
-              <a:rPr lang="en-US" sz="2000" dirty="0" smtClean="0">
-                <a:solidFill>
-                  <a:schemeClr val="bg1"/>
-                </a:solidFill>
-                <a:latin typeface="Calibri" charset="0"/>
-                <a:cs typeface="Segoe UI" charset="0"/>
-              </a:rPr>
-              <a:t>3</a:t>
-            </a:r>
-            <a:r>
-              <a:rPr lang="en-US" sz="2000" dirty="0" smtClean="0">
-                <a:solidFill>
-                  <a:schemeClr val="bg1"/>
-                </a:solidFill>
-                <a:latin typeface="Calibri" charset="0"/>
-                <a:cs typeface="Segoe UI" charset="0"/>
-              </a:rPr>
-              <a:t/>
+              <a:t>Module 3</a:t>
             </a:r>
             <a:br>
               <a:rPr lang="en-US" sz="2000" dirty="0" smtClean="0">
